--- a/Sefer/obs.pptx
+++ b/Sefer/obs.pptx
@@ -106,7 +106,7 @@
   </p:defaultTextStyle>
   <p:extLst>
     <p:ext uri="{EFAFB233-063F-42B5-8137-9DF3F51BA10A}">
-      <p15:sldGuideLst xmlns:p15="http://schemas.microsoft.com/office/powerpoint/2012/main">
+      <p15:sldGuideLst xmlns:p15="http://schemas.microsoft.com/office/powerpoint/2012/main" xmlns="">
         <p15:guide id="1" orient="horz" pos="2160" userDrawn="1">
           <p15:clr>
             <a:srgbClr val="A4A3A4"/>
@@ -254,7 +254,8 @@
           <a:p>
             <a:fld id="{0196DC36-0CE6-4306-85F0-2C34644A36D6}" type="datetimeFigureOut">
               <a:rPr lang="he-IL" smtClean="0"/>
-              <a:t>כ"ו/אב/תשע"ה</a:t>
+              <a:pPr/>
+              <a:t>א'/אלול/תשע"ה</a:t>
             </a:fld>
             <a:endParaRPr lang="he-IL"/>
           </a:p>
@@ -296,6 +297,7 @@
           <a:p>
             <a:fld id="{94D42F2E-1483-4C7A-A88B-1D656B6B9397}" type="slidenum">
               <a:rPr lang="he-IL" smtClean="0"/>
+              <a:pPr/>
               <a:t>‹#›</a:t>
             </a:fld>
             <a:endParaRPr lang="he-IL"/>
@@ -305,7 +307,7 @@
     </p:spTree>
     <p:extLst>
       <p:ext uri="{BB962C8B-B14F-4D97-AF65-F5344CB8AC3E}">
-        <p14:creationId xmlns:p14="http://schemas.microsoft.com/office/powerpoint/2010/main" val="2837627930"/>
+        <p14:creationId xmlns:p14="http://schemas.microsoft.com/office/powerpoint/2010/main" xmlns="" val="2837627930"/>
       </p:ext>
     </p:extLst>
   </p:cSld>
@@ -424,7 +426,8 @@
           <a:p>
             <a:fld id="{0196DC36-0CE6-4306-85F0-2C34644A36D6}" type="datetimeFigureOut">
               <a:rPr lang="he-IL" smtClean="0"/>
-              <a:t>כ"ו/אב/תשע"ה</a:t>
+              <a:pPr/>
+              <a:t>א'/אלול/תשע"ה</a:t>
             </a:fld>
             <a:endParaRPr lang="he-IL"/>
           </a:p>
@@ -466,6 +469,7 @@
           <a:p>
             <a:fld id="{94D42F2E-1483-4C7A-A88B-1D656B6B9397}" type="slidenum">
               <a:rPr lang="he-IL" smtClean="0"/>
+              <a:pPr/>
               <a:t>‹#›</a:t>
             </a:fld>
             <a:endParaRPr lang="he-IL"/>
@@ -475,7 +479,7 @@
     </p:spTree>
     <p:extLst>
       <p:ext uri="{BB962C8B-B14F-4D97-AF65-F5344CB8AC3E}">
-        <p14:creationId xmlns:p14="http://schemas.microsoft.com/office/powerpoint/2010/main" val="3798270705"/>
+        <p14:creationId xmlns:p14="http://schemas.microsoft.com/office/powerpoint/2010/main" xmlns="" val="3798270705"/>
       </p:ext>
     </p:extLst>
   </p:cSld>
@@ -604,7 +608,8 @@
           <a:p>
             <a:fld id="{0196DC36-0CE6-4306-85F0-2C34644A36D6}" type="datetimeFigureOut">
               <a:rPr lang="he-IL" smtClean="0"/>
-              <a:t>כ"ו/אב/תשע"ה</a:t>
+              <a:pPr/>
+              <a:t>א'/אלול/תשע"ה</a:t>
             </a:fld>
             <a:endParaRPr lang="he-IL"/>
           </a:p>
@@ -646,6 +651,7 @@
           <a:p>
             <a:fld id="{94D42F2E-1483-4C7A-A88B-1D656B6B9397}" type="slidenum">
               <a:rPr lang="he-IL" smtClean="0"/>
+              <a:pPr/>
               <a:t>‹#›</a:t>
             </a:fld>
             <a:endParaRPr lang="he-IL"/>
@@ -655,7 +661,7 @@
     </p:spTree>
     <p:extLst>
       <p:ext uri="{BB962C8B-B14F-4D97-AF65-F5344CB8AC3E}">
-        <p14:creationId xmlns:p14="http://schemas.microsoft.com/office/powerpoint/2010/main" val="2802620737"/>
+        <p14:creationId xmlns:p14="http://schemas.microsoft.com/office/powerpoint/2010/main" xmlns="" val="2802620737"/>
       </p:ext>
     </p:extLst>
   </p:cSld>
@@ -774,7 +780,8 @@
           <a:p>
             <a:fld id="{0196DC36-0CE6-4306-85F0-2C34644A36D6}" type="datetimeFigureOut">
               <a:rPr lang="he-IL" smtClean="0"/>
-              <a:t>כ"ו/אב/תשע"ה</a:t>
+              <a:pPr/>
+              <a:t>א'/אלול/תשע"ה</a:t>
             </a:fld>
             <a:endParaRPr lang="he-IL"/>
           </a:p>
@@ -816,6 +823,7 @@
           <a:p>
             <a:fld id="{94D42F2E-1483-4C7A-A88B-1D656B6B9397}" type="slidenum">
               <a:rPr lang="he-IL" smtClean="0"/>
+              <a:pPr/>
               <a:t>‹#›</a:t>
             </a:fld>
             <a:endParaRPr lang="he-IL"/>
@@ -825,7 +833,7 @@
     </p:spTree>
     <p:extLst>
       <p:ext uri="{BB962C8B-B14F-4D97-AF65-F5344CB8AC3E}">
-        <p14:creationId xmlns:p14="http://schemas.microsoft.com/office/powerpoint/2010/main" val="2116468760"/>
+        <p14:creationId xmlns:p14="http://schemas.microsoft.com/office/powerpoint/2010/main" xmlns="" val="2116468760"/>
       </p:ext>
     </p:extLst>
   </p:cSld>
@@ -1020,7 +1028,8 @@
           <a:p>
             <a:fld id="{0196DC36-0CE6-4306-85F0-2C34644A36D6}" type="datetimeFigureOut">
               <a:rPr lang="he-IL" smtClean="0"/>
-              <a:t>כ"ו/אב/תשע"ה</a:t>
+              <a:pPr/>
+              <a:t>א'/אלול/תשע"ה</a:t>
             </a:fld>
             <a:endParaRPr lang="he-IL"/>
           </a:p>
@@ -1062,6 +1071,7 @@
           <a:p>
             <a:fld id="{94D42F2E-1483-4C7A-A88B-1D656B6B9397}" type="slidenum">
               <a:rPr lang="he-IL" smtClean="0"/>
+              <a:pPr/>
               <a:t>‹#›</a:t>
             </a:fld>
             <a:endParaRPr lang="he-IL"/>
@@ -1071,7 +1081,7 @@
     </p:spTree>
     <p:extLst>
       <p:ext uri="{BB962C8B-B14F-4D97-AF65-F5344CB8AC3E}">
-        <p14:creationId xmlns:p14="http://schemas.microsoft.com/office/powerpoint/2010/main" val="4062876092"/>
+        <p14:creationId xmlns:p14="http://schemas.microsoft.com/office/powerpoint/2010/main" xmlns="" val="4062876092"/>
       </p:ext>
     </p:extLst>
   </p:cSld>
@@ -1252,7 +1262,8 @@
           <a:p>
             <a:fld id="{0196DC36-0CE6-4306-85F0-2C34644A36D6}" type="datetimeFigureOut">
               <a:rPr lang="he-IL" smtClean="0"/>
-              <a:t>כ"ו/אב/תשע"ה</a:t>
+              <a:pPr/>
+              <a:t>א'/אלול/תשע"ה</a:t>
             </a:fld>
             <a:endParaRPr lang="he-IL"/>
           </a:p>
@@ -1294,6 +1305,7 @@
           <a:p>
             <a:fld id="{94D42F2E-1483-4C7A-A88B-1D656B6B9397}" type="slidenum">
               <a:rPr lang="he-IL" smtClean="0"/>
+              <a:pPr/>
               <a:t>‹#›</a:t>
             </a:fld>
             <a:endParaRPr lang="he-IL"/>
@@ -1303,7 +1315,7 @@
     </p:spTree>
     <p:extLst>
       <p:ext uri="{BB962C8B-B14F-4D97-AF65-F5344CB8AC3E}">
-        <p14:creationId xmlns:p14="http://schemas.microsoft.com/office/powerpoint/2010/main" val="2899610182"/>
+        <p14:creationId xmlns:p14="http://schemas.microsoft.com/office/powerpoint/2010/main" xmlns="" val="2899610182"/>
       </p:ext>
     </p:extLst>
   </p:cSld>
@@ -1619,7 +1631,8 @@
           <a:p>
             <a:fld id="{0196DC36-0CE6-4306-85F0-2C34644A36D6}" type="datetimeFigureOut">
               <a:rPr lang="he-IL" smtClean="0"/>
-              <a:t>כ"ו/אב/תשע"ה</a:t>
+              <a:pPr/>
+              <a:t>א'/אלול/תשע"ה</a:t>
             </a:fld>
             <a:endParaRPr lang="he-IL"/>
           </a:p>
@@ -1661,6 +1674,7 @@
           <a:p>
             <a:fld id="{94D42F2E-1483-4C7A-A88B-1D656B6B9397}" type="slidenum">
               <a:rPr lang="he-IL" smtClean="0"/>
+              <a:pPr/>
               <a:t>‹#›</a:t>
             </a:fld>
             <a:endParaRPr lang="he-IL"/>
@@ -1670,7 +1684,7 @@
     </p:spTree>
     <p:extLst>
       <p:ext uri="{BB962C8B-B14F-4D97-AF65-F5344CB8AC3E}">
-        <p14:creationId xmlns:p14="http://schemas.microsoft.com/office/powerpoint/2010/main" val="3704235917"/>
+        <p14:creationId xmlns:p14="http://schemas.microsoft.com/office/powerpoint/2010/main" xmlns="" val="3704235917"/>
       </p:ext>
     </p:extLst>
   </p:cSld>
@@ -1737,7 +1751,8 @@
           <a:p>
             <a:fld id="{0196DC36-0CE6-4306-85F0-2C34644A36D6}" type="datetimeFigureOut">
               <a:rPr lang="he-IL" smtClean="0"/>
-              <a:t>כ"ו/אב/תשע"ה</a:t>
+              <a:pPr/>
+              <a:t>א'/אלול/תשע"ה</a:t>
             </a:fld>
             <a:endParaRPr lang="he-IL"/>
           </a:p>
@@ -1779,6 +1794,7 @@
           <a:p>
             <a:fld id="{94D42F2E-1483-4C7A-A88B-1D656B6B9397}" type="slidenum">
               <a:rPr lang="he-IL" smtClean="0"/>
+              <a:pPr/>
               <a:t>‹#›</a:t>
             </a:fld>
             <a:endParaRPr lang="he-IL"/>
@@ -1788,7 +1804,7 @@
     </p:spTree>
     <p:extLst>
       <p:ext uri="{BB962C8B-B14F-4D97-AF65-F5344CB8AC3E}">
-        <p14:creationId xmlns:p14="http://schemas.microsoft.com/office/powerpoint/2010/main" val="3606258080"/>
+        <p14:creationId xmlns:p14="http://schemas.microsoft.com/office/powerpoint/2010/main" xmlns="" val="3606258080"/>
       </p:ext>
     </p:extLst>
   </p:cSld>
@@ -1832,7 +1848,8 @@
           <a:p>
             <a:fld id="{0196DC36-0CE6-4306-85F0-2C34644A36D6}" type="datetimeFigureOut">
               <a:rPr lang="he-IL" smtClean="0"/>
-              <a:t>כ"ו/אב/תשע"ה</a:t>
+              <a:pPr/>
+              <a:t>א'/אלול/תשע"ה</a:t>
             </a:fld>
             <a:endParaRPr lang="he-IL"/>
           </a:p>
@@ -1874,6 +1891,7 @@
           <a:p>
             <a:fld id="{94D42F2E-1483-4C7A-A88B-1D656B6B9397}" type="slidenum">
               <a:rPr lang="he-IL" smtClean="0"/>
+              <a:pPr/>
               <a:t>‹#›</a:t>
             </a:fld>
             <a:endParaRPr lang="he-IL"/>
@@ -1883,7 +1901,7 @@
     </p:spTree>
     <p:extLst>
       <p:ext uri="{BB962C8B-B14F-4D97-AF65-F5344CB8AC3E}">
-        <p14:creationId xmlns:p14="http://schemas.microsoft.com/office/powerpoint/2010/main" val="3417296533"/>
+        <p14:creationId xmlns:p14="http://schemas.microsoft.com/office/powerpoint/2010/main" xmlns="" val="3417296533"/>
       </p:ext>
     </p:extLst>
   </p:cSld>
@@ -2109,7 +2127,8 @@
           <a:p>
             <a:fld id="{0196DC36-0CE6-4306-85F0-2C34644A36D6}" type="datetimeFigureOut">
               <a:rPr lang="he-IL" smtClean="0"/>
-              <a:t>כ"ו/אב/תשע"ה</a:t>
+              <a:pPr/>
+              <a:t>א'/אלול/תשע"ה</a:t>
             </a:fld>
             <a:endParaRPr lang="he-IL"/>
           </a:p>
@@ -2151,6 +2170,7 @@
           <a:p>
             <a:fld id="{94D42F2E-1483-4C7A-A88B-1D656B6B9397}" type="slidenum">
               <a:rPr lang="he-IL" smtClean="0"/>
+              <a:pPr/>
               <a:t>‹#›</a:t>
             </a:fld>
             <a:endParaRPr lang="he-IL"/>
@@ -2160,7 +2180,7 @@
     </p:spTree>
     <p:extLst>
       <p:ext uri="{BB962C8B-B14F-4D97-AF65-F5344CB8AC3E}">
-        <p14:creationId xmlns:p14="http://schemas.microsoft.com/office/powerpoint/2010/main" val="1175461491"/>
+        <p14:creationId xmlns:p14="http://schemas.microsoft.com/office/powerpoint/2010/main" xmlns="" val="1175461491"/>
       </p:ext>
     </p:extLst>
   </p:cSld>
@@ -2362,7 +2382,8 @@
           <a:p>
             <a:fld id="{0196DC36-0CE6-4306-85F0-2C34644A36D6}" type="datetimeFigureOut">
               <a:rPr lang="he-IL" smtClean="0"/>
-              <a:t>כ"ו/אב/תשע"ה</a:t>
+              <a:pPr/>
+              <a:t>א'/אלול/תשע"ה</a:t>
             </a:fld>
             <a:endParaRPr lang="he-IL"/>
           </a:p>
@@ -2404,6 +2425,7 @@
           <a:p>
             <a:fld id="{94D42F2E-1483-4C7A-A88B-1D656B6B9397}" type="slidenum">
               <a:rPr lang="he-IL" smtClean="0"/>
+              <a:pPr/>
               <a:t>‹#›</a:t>
             </a:fld>
             <a:endParaRPr lang="he-IL"/>
@@ -2413,7 +2435,7 @@
     </p:spTree>
     <p:extLst>
       <p:ext uri="{BB962C8B-B14F-4D97-AF65-F5344CB8AC3E}">
-        <p14:creationId xmlns:p14="http://schemas.microsoft.com/office/powerpoint/2010/main" val="2709885940"/>
+        <p14:creationId xmlns:p14="http://schemas.microsoft.com/office/powerpoint/2010/main" xmlns="" val="2709885940"/>
       </p:ext>
     </p:extLst>
   </p:cSld>
@@ -2575,7 +2597,8 @@
           <a:p>
             <a:fld id="{0196DC36-0CE6-4306-85F0-2C34644A36D6}" type="datetimeFigureOut">
               <a:rPr lang="he-IL" smtClean="0"/>
-              <a:t>כ"ו/אב/תשע"ה</a:t>
+              <a:pPr/>
+              <a:t>א'/אלול/תשע"ה</a:t>
             </a:fld>
             <a:endParaRPr lang="he-IL"/>
           </a:p>
@@ -2653,6 +2676,7 @@
           <a:p>
             <a:fld id="{94D42F2E-1483-4C7A-A88B-1D656B6B9397}" type="slidenum">
               <a:rPr lang="he-IL" smtClean="0"/>
+              <a:pPr/>
               <a:t>‹#›</a:t>
             </a:fld>
             <a:endParaRPr lang="he-IL"/>
@@ -2662,7 +2686,7 @@
     </p:spTree>
     <p:extLst>
       <p:ext uri="{BB962C8B-B14F-4D97-AF65-F5344CB8AC3E}">
-        <p14:creationId xmlns:p14="http://schemas.microsoft.com/office/powerpoint/2010/main" val="1148644637"/>
+        <p14:creationId xmlns:p14="http://schemas.microsoft.com/office/powerpoint/2010/main" xmlns="" val="1148644637"/>
       </p:ext>
     </p:extLst>
   </p:cSld>
@@ -3128,7 +3152,7 @@
             <a:blip r:embed="rId2" cstate="print">
               <a:extLst>
                 <a:ext uri="{28A0092B-C50C-407E-A947-70E740481C1C}">
-                  <a14:useLocalDpi xmlns:a14="http://schemas.microsoft.com/office/drawing/2010/main" val="0"/>
+                  <a14:useLocalDpi xmlns:a14="http://schemas.microsoft.com/office/drawing/2010/main" xmlns="" val="0"/>
                 </a:ext>
               </a:extLst>
             </a:blip>
@@ -3158,7 +3182,7 @@
             <a:blip r:embed="rId3" cstate="print">
               <a:extLst>
                 <a:ext uri="{28A0092B-C50C-407E-A947-70E740481C1C}">
-                  <a14:useLocalDpi xmlns:a14="http://schemas.microsoft.com/office/drawing/2010/main" val="0"/>
+                  <a14:useLocalDpi xmlns:a14="http://schemas.microsoft.com/office/drawing/2010/main" xmlns="" val="0"/>
                 </a:ext>
               </a:extLst>
             </a:blip>
@@ -3284,7 +3308,7 @@
               </a:duotone>
               <a:extLst>
                 <a:ext uri="{28A0092B-C50C-407E-A947-70E740481C1C}">
-                  <a14:useLocalDpi xmlns:a14="http://schemas.microsoft.com/office/drawing/2010/main" val="0"/>
+                  <a14:useLocalDpi xmlns:a14="http://schemas.microsoft.com/office/drawing/2010/main" xmlns="" val="0"/>
                 </a:ext>
               </a:extLst>
             </a:blip>
@@ -3443,7 +3467,7 @@
             <a:blip r:embed="rId3" cstate="print">
               <a:extLst>
                 <a:ext uri="{28A0092B-C50C-407E-A947-70E740481C1C}">
-                  <a14:useLocalDpi xmlns:a14="http://schemas.microsoft.com/office/drawing/2010/main" val="0"/>
+                  <a14:useLocalDpi xmlns:a14="http://schemas.microsoft.com/office/drawing/2010/main" xmlns="" val="0"/>
                 </a:ext>
               </a:extLst>
             </a:blip>
@@ -3521,7 +3545,7 @@
             <a:blip r:embed="rId3" cstate="print">
               <a:extLst>
                 <a:ext uri="{28A0092B-C50C-407E-A947-70E740481C1C}">
-                  <a14:useLocalDpi xmlns:a14="http://schemas.microsoft.com/office/drawing/2010/main" val="0"/>
+                  <a14:useLocalDpi xmlns:a14="http://schemas.microsoft.com/office/drawing/2010/main" xmlns="" val="0"/>
                 </a:ext>
               </a:extLst>
             </a:blip>
@@ -3663,7 +3687,14 @@
                   <a:latin typeface="David" panose="020E0502060401010101" pitchFamily="34" charset="-79"/>
                   <a:cs typeface="David" panose="020E0502060401010101" pitchFamily="34" charset="-79"/>
                 </a:rPr>
-                <a:t>"עקיפת מכשול</a:t>
+                <a:t>"עקיפת </a:t>
+              </a:r>
+              <a:r>
+                <a:rPr lang="he-IL" dirty="0" smtClean="0">
+                  <a:latin typeface="David" panose="020E0502060401010101" pitchFamily="34" charset="-79"/>
+                  <a:cs typeface="David" panose="020E0502060401010101" pitchFamily="34" charset="-79"/>
+                </a:rPr>
+                <a:t>מכשול"</a:t>
               </a:r>
               <a:endParaRPr lang="he-IL" dirty="0">
                 <a:latin typeface="David" panose="020E0502060401010101" pitchFamily="34" charset="-79"/>
@@ -3787,7 +3818,7 @@
             <a:blip r:embed="rId3" cstate="print">
               <a:extLst>
                 <a:ext uri="{28A0092B-C50C-407E-A947-70E740481C1C}">
-                  <a14:useLocalDpi xmlns:a14="http://schemas.microsoft.com/office/drawing/2010/main" val="0"/>
+                  <a14:useLocalDpi xmlns:a14="http://schemas.microsoft.com/office/drawing/2010/main" xmlns="" val="0"/>
                 </a:ext>
               </a:extLst>
             </a:blip>
@@ -3817,7 +3848,7 @@
             <a:blip r:embed="rId2" cstate="print">
               <a:extLst>
                 <a:ext uri="{28A0092B-C50C-407E-A947-70E740481C1C}">
-                  <a14:useLocalDpi xmlns:a14="http://schemas.microsoft.com/office/drawing/2010/main" val="0"/>
+                  <a14:useLocalDpi xmlns:a14="http://schemas.microsoft.com/office/drawing/2010/main" xmlns="" val="0"/>
                 </a:ext>
               </a:extLst>
             </a:blip>
@@ -3932,7 +3963,7 @@
             <a:blip r:embed="rId2" cstate="print">
               <a:extLst>
                 <a:ext uri="{28A0092B-C50C-407E-A947-70E740481C1C}">
-                  <a14:useLocalDpi xmlns:a14="http://schemas.microsoft.com/office/drawing/2010/main" val="0"/>
+                  <a14:useLocalDpi xmlns:a14="http://schemas.microsoft.com/office/drawing/2010/main" xmlns="" val="0"/>
                 </a:ext>
               </a:extLst>
             </a:blip>
@@ -4249,7 +4280,7 @@
             <a:blip r:embed="rId2" cstate="print">
               <a:extLst>
                 <a:ext uri="{28A0092B-C50C-407E-A947-70E740481C1C}">
-                  <a14:useLocalDpi xmlns:a14="http://schemas.microsoft.com/office/drawing/2010/main" val="0"/>
+                  <a14:useLocalDpi xmlns:a14="http://schemas.microsoft.com/office/drawing/2010/main" xmlns="" val="0"/>
                 </a:ext>
               </a:extLst>
             </a:blip>
@@ -4271,7 +4302,7 @@
     </p:spTree>
     <p:extLst>
       <p:ext uri="{BB962C8B-B14F-4D97-AF65-F5344CB8AC3E}">
-        <p14:creationId xmlns:p14="http://schemas.microsoft.com/office/powerpoint/2010/main" val="1453431388"/>
+        <p14:creationId xmlns:p14="http://schemas.microsoft.com/office/powerpoint/2010/main" xmlns="" val="1453431388"/>
       </p:ext>
     </p:extLst>
   </p:cSld>
@@ -4331,7 +4362,7 @@
     </a:clrScheme>
     <a:fontScheme name="Office">
       <a:majorFont>
-        <a:latin typeface="Calibri Light" panose="020F0302020204030204"/>
+        <a:latin typeface="Calibri Light"/>
         <a:ea typeface=""/>
         <a:cs typeface=""/>
         <a:font script="Jpan" typeface="ＭＳ Ｐゴシック"/>
@@ -4366,7 +4397,7 @@
         <a:font script="Geor" typeface="Sylfaen"/>
       </a:majorFont>
       <a:minorFont>
-        <a:latin typeface="Calibri" panose="020F0502020204030204"/>
+        <a:latin typeface="Calibri"/>
         <a:ea typeface=""/>
         <a:cs typeface=""/>
         <a:font script="Jpan" typeface="ＭＳ Ｐゴシック"/>
@@ -4543,7 +4574,7 @@
   <a:extraClrSchemeLst/>
   <a:extLst>
     <a:ext uri="{05A4C25C-085E-4340-85A3-A5531E510DB2}">
-      <thm15:themeFamily xmlns:thm15="http://schemas.microsoft.com/office/thememl/2012/main" name="Office Theme" id="{62F939B6-93AF-4DB8-9C6B-D6C7DFDC589F}" vid="{4A3C46E8-61CC-4603-A589-7422A47A8E4A}"/>
+      <thm15:themeFamily xmlns:thm15="http://schemas.microsoft.com/office/thememl/2012/main" xmlns="" name="Office Theme" id="{62F939B6-93AF-4DB8-9C6B-D6C7DFDC589F}" vid="{4A3C46E8-61CC-4603-A589-7422A47A8E4A}"/>
     </a:ext>
   </a:extLst>
 </a:theme>
